--- a/Track1.pptx
+++ b/Track1.pptx
@@ -13145,7 +13145,7 @@
         <p:spPr>
           <a:xfrm>
             <a:off x="3146527" y="1620637"/>
-            <a:ext cx="2976587" cy="830997"/>
+            <a:ext cx="2976587" cy="1015663"/>
           </a:xfrm>
           <a:prstGeom prst="rect">
             <a:avLst/>
@@ -13159,7 +13159,7 @@
           <a:p>
             <a:pPr algn="ctr"/>
             <a:r>
-              <a:rPr lang="ru-RU" sz="1600" b="1" dirty="0">
+              <a:rPr lang="ru-RU" sz="2000" b="1" dirty="0">
                 <a:solidFill>
                   <a:schemeClr val="lt1"/>
                 </a:solidFill>
@@ -13168,10 +13168,10 @@
                 <a:cs typeface="Montserrat"/>
                 <a:sym typeface="Montserrat"/>
               </a:rPr>
-              <a:t>Ядро системы построено на </a:t>
+              <a:t>За основу взята </a:t>
             </a:r>
-            <a:r>
-              <a:rPr lang="en-US" sz="1600" b="1" dirty="0">
+            <a:br>
+              <a:rPr lang="ru-RU" sz="2000" b="1" dirty="0">
                 <a:solidFill>
                   <a:schemeClr val="lt1"/>
                 </a:solidFill>
@@ -13180,10 +13180,20 @@
                 <a:cs typeface="Montserrat"/>
                 <a:sym typeface="Montserrat"/>
               </a:rPr>
-              <a:t>event-driving </a:t>
+            </a:br>
+            <a:r>
+              <a:rPr lang="en-US" sz="2000" b="1" dirty="0">
+                <a:solidFill>
+                  <a:schemeClr val="bg1"/>
+                </a:solidFill>
+              </a:rPr>
+              <a:t>Event-driven</a:t>
             </a:r>
+          </a:p>
+          <a:p>
+            <a:pPr algn="ctr"/>
             <a:r>
-              <a:rPr lang="ru-RU" sz="1600" b="1" dirty="0">
+              <a:rPr lang="en-US" sz="2000" b="1" dirty="0">
                 <a:solidFill>
                   <a:schemeClr val="lt1"/>
                 </a:solidFill>
@@ -13192,7 +13202,19 @@
                 <a:cs typeface="Montserrat"/>
                 <a:sym typeface="Montserrat"/>
               </a:rPr>
-              <a:t>архитектуре</a:t>
+              <a:t> </a:t>
+            </a:r>
+            <a:r>
+              <a:rPr lang="ru-RU" sz="2000" b="1" dirty="0">
+                <a:solidFill>
+                  <a:schemeClr val="lt1"/>
+                </a:solidFill>
+                <a:latin typeface="Montserrat"/>
+                <a:ea typeface="Montserrat"/>
+                <a:cs typeface="Montserrat"/>
+                <a:sym typeface="Montserrat"/>
+              </a:rPr>
+              <a:t>модель</a:t>
             </a:r>
           </a:p>
         </p:txBody>
